--- a/20_FeatureEvaluation.pptx
+++ b/20_FeatureEvaluation.pptx
@@ -5032,6 +5032,48 @@
             <a:r>
               <a:rPr lang="en-US" dirty="0"/>
               <a:t>Numbers</a:t>
+            </a:r>
+          </a:p>
+        </p:txBody>
+      </p:sp>
+      <p:sp>
+        <p:nvSpPr>
+          <p:cNvPr id="20" name="TextBox 19">
+            <a:extLst>
+              <a:ext uri="{FF2B5EF4-FFF2-40B4-BE49-F238E27FC236}">
+                <a16:creationId xmlns:a16="http://schemas.microsoft.com/office/drawing/2014/main" id="{D5940B1A-0AD6-4A4B-B89E-05B565D4CBDD}"/>
+              </a:ext>
+            </a:extLst>
+          </p:cNvPr>
+          <p:cNvSpPr txBox="1"/>
+          <p:nvPr/>
+        </p:nvSpPr>
+        <p:spPr>
+          <a:xfrm>
+            <a:off x="2590800" y="6004349"/>
+            <a:ext cx="1702025" cy="646331"/>
+          </a:xfrm>
+          <a:prstGeom prst="rect">
+            <a:avLst/>
+          </a:prstGeom>
+          <a:solidFill>
+            <a:schemeClr val="bg1"/>
+          </a:solidFill>
+          <a:ln>
+            <a:solidFill>
+              <a:srgbClr val="C00000"/>
+            </a:solidFill>
+          </a:ln>
+        </p:spPr>
+        <p:txBody>
+          <a:bodyPr wrap="square" rtlCol="0">
+            <a:spAutoFit/>
+          </a:bodyPr>
+          <a:lstStyle/>
+          <a:p>
+            <a:r>
+              <a:rPr lang="en-US" dirty="0"/>
+              <a:t>Transform Feature Data</a:t>
             </a:r>
           </a:p>
         </p:txBody>
